--- a/figures/fig2.pptx
+++ b/figures/fig2.pptx
@@ -257,7 +257,7 @@
       </p15:sldGuideLst>
     </p:ext>
     <p:ext uri="http://customooxmlschemas.google.com/">
-      <go:slidesCustomData xmlns="" xmlns:mc="http://schemas.openxmlformats.org/markup-compatibility/2006" xmlns:mv="urn:schemas-microsoft-com:mac:vml" xmlns:c="http://schemas.openxmlformats.org/drawingml/2006/chart" xmlns:dgm="http://schemas.openxmlformats.org/drawingml/2006/diagram" xmlns:o="urn:schemas-microsoft-com:office:office" xmlns:v="urn:schemas-microsoft-com:vml" xmlns:pvml="urn:schemas-microsoft-com:office:powerpoint" xmlns:com="http://schemas.openxmlformats.org/drawingml/2006/compatibility" xmlns:p14="http://schemas.microsoft.com/office/powerpoint/2010/main" xmlns:p15="http://schemas.microsoft.com/office/powerpoint/2012/main" xmlns:ahyp="http://schemas.microsoft.com/office/drawing/2018/hyperlinkcolor" xmlns:go="http://customooxmlschemas.google.com/" r:id="rId10" roundtripDataSignature="AMtx7mhiytGPk8UOxiAGs9KaAxakDbg4SQ=="/>
+      <go:slidesCustomData xmlns:go="http://customooxmlschemas.google.com/" xmlns:ahyp="http://schemas.microsoft.com/office/drawing/2018/hyperlinkcolor" xmlns:p15="http://schemas.microsoft.com/office/powerpoint/2012/main" xmlns:p14="http://schemas.microsoft.com/office/powerpoint/2010/main" xmlns:com="http://schemas.openxmlformats.org/drawingml/2006/compatibility" xmlns:pvml="urn:schemas-microsoft-com:office:powerpoint" xmlns:v="urn:schemas-microsoft-com:vml" xmlns:o="urn:schemas-microsoft-com:office:office" xmlns:dgm="http://schemas.openxmlformats.org/drawingml/2006/diagram" xmlns:c="http://schemas.openxmlformats.org/drawingml/2006/chart" xmlns:mv="urn:schemas-microsoft-com:mac:vml" xmlns:mc="http://schemas.openxmlformats.org/markup-compatibility/2006" xmlns="" r:id="rId10" roundtripDataSignature="AMtx7mhiytGPk8UOxiAGs9KaAxakDbg4SQ=="/>
     </p:ext>
   </p:extLst>
 </p:presentation>
@@ -12626,6 +12626,42 @@
           <a:chExt cx="0" cy="0"/>
         </a:xfrm>
       </p:grpSpPr>
+      <p:pic>
+        <p:nvPicPr>
+          <p:cNvPr id="11" name="Graphic 10">
+            <a:extLst>
+              <a:ext uri="{FF2B5EF4-FFF2-40B4-BE49-F238E27FC236}">
+                <a16:creationId xmlns:a16="http://schemas.microsoft.com/office/drawing/2014/main" id="{DF3A8F5D-3EC6-C015-8305-E6953A6E5E56}"/>
+              </a:ext>
+            </a:extLst>
+          </p:cNvPr>
+          <p:cNvPicPr>
+            <a:picLocks noChangeAspect="1"/>
+          </p:cNvPicPr>
+          <p:nvPr/>
+        </p:nvPicPr>
+        <p:blipFill>
+          <a:blip r:embed="rId3">
+            <a:extLst>
+              <a:ext uri="{96DAC541-7B7A-43D3-8B79-37D633B846F1}">
+                <asvg:svgBlip xmlns:asvg="http://schemas.microsoft.com/office/drawing/2016/SVG/main" r:embed="rId4"/>
+              </a:ext>
+            </a:extLst>
+          </a:blip>
+          <a:stretch>
+            <a:fillRect/>
+          </a:stretch>
+        </p:blipFill>
+        <p:spPr>
+          <a:xfrm>
+            <a:off x="10598377" y="14047810"/>
+            <a:ext cx="10723887" cy="9549513"/>
+          </a:xfrm>
+          <a:prstGeom prst="rect">
+            <a:avLst/>
+          </a:prstGeom>
+        </p:spPr>
+      </p:pic>
       <p:sp>
         <p:nvSpPr>
           <p:cNvPr id="25" name="TextBox 24">
@@ -12640,8 +12676,8 @@
         </p:nvSpPr>
         <p:spPr>
           <a:xfrm rot="16200000">
-            <a:off x="11117073" y="18618685"/>
-            <a:ext cx="1465094" cy="830997"/>
+            <a:off x="9506004" y="17917717"/>
+            <a:ext cx="2451498" cy="1323439"/>
           </a:xfrm>
           <a:prstGeom prst="rect">
             <a:avLst/>
@@ -12665,8 +12701,16 @@
           </a:p>
           <a:p>
             <a:pPr algn="ctr"/>
+            <a:endParaRPr lang="en-US" sz="2400" dirty="0">
+              <a:solidFill>
+                <a:schemeClr val="tx1"/>
+              </a:solidFill>
+            </a:endParaRPr>
+          </a:p>
+          <a:p>
+            <a:pPr algn="ctr"/>
             <a:r>
-              <a:rPr lang="en-US" sz="2400" dirty="0">
+              <a:rPr lang="en-US" sz="3200" dirty="0">
                 <a:solidFill>
                   <a:schemeClr val="tx1"/>
                 </a:solidFill>
@@ -12674,7 +12718,7 @@
               <a:t>R</a:t>
             </a:r>
             <a:r>
-              <a:rPr lang="en-US" sz="2400" baseline="30000" dirty="0">
+              <a:rPr lang="en-US" sz="3200" baseline="30000" dirty="0">
                 <a:solidFill>
                   <a:schemeClr val="tx1"/>
                 </a:solidFill>
@@ -12684,184 +12728,6 @@
           </a:p>
         </p:txBody>
       </p:sp>
-      <p:grpSp>
-        <p:nvGrpSpPr>
-          <p:cNvPr id="8" name="Group 7">
-            <a:extLst>
-              <a:ext uri="{FF2B5EF4-FFF2-40B4-BE49-F238E27FC236}">
-                <a16:creationId xmlns:a16="http://schemas.microsoft.com/office/drawing/2014/main" id="{434CD4E8-9D32-AB58-C255-ED3157921064}"/>
-              </a:ext>
-            </a:extLst>
-          </p:cNvPr>
-          <p:cNvGrpSpPr/>
-          <p:nvPr/>
-        </p:nvGrpSpPr>
-        <p:grpSpPr>
-          <a:xfrm>
-            <a:off x="10614620" y="15634190"/>
-            <a:ext cx="10038348" cy="6689748"/>
-            <a:chOff x="10614620" y="15634190"/>
-            <a:chExt cx="10038348" cy="6689748"/>
-          </a:xfrm>
-        </p:grpSpPr>
-        <p:grpSp>
-          <p:nvGrpSpPr>
-            <p:cNvPr id="29" name="Group 28">
-              <a:extLst>
-                <a:ext uri="{FF2B5EF4-FFF2-40B4-BE49-F238E27FC236}">
-                  <a16:creationId xmlns:a16="http://schemas.microsoft.com/office/drawing/2014/main" id="{39C661FE-7FB4-A40F-E067-B516B33BDECA}"/>
-                </a:ext>
-              </a:extLst>
-            </p:cNvPr>
-            <p:cNvGrpSpPr/>
-            <p:nvPr/>
-          </p:nvGrpSpPr>
-          <p:grpSpPr>
-            <a:xfrm>
-              <a:off x="10614620" y="15634190"/>
-              <a:ext cx="10038348" cy="6689748"/>
-              <a:chOff x="14868499" y="6196003"/>
-              <a:chExt cx="9323268" cy="5674767"/>
-            </a:xfrm>
-          </p:grpSpPr>
-          <p:pic>
-            <p:nvPicPr>
-              <p:cNvPr id="40" name="Graphic 39">
-                <a:extLst>
-                  <a:ext uri="{FF2B5EF4-FFF2-40B4-BE49-F238E27FC236}">
-                    <a16:creationId xmlns:a16="http://schemas.microsoft.com/office/drawing/2014/main" id="{F8A4D88E-291F-C709-835D-136A7218272B}"/>
-                  </a:ext>
-                </a:extLst>
-              </p:cNvPr>
-              <p:cNvPicPr>
-                <a:picLocks noChangeAspect="1"/>
-              </p:cNvPicPr>
-              <p:nvPr/>
-            </p:nvPicPr>
-            <p:blipFill>
-              <a:blip r:embed="rId3">
-                <a:extLst>
-                  <a:ext uri="{96DAC541-7B7A-43D3-8B79-37D633B846F1}">
-                    <asvg:svgBlip xmlns:asvg="http://schemas.microsoft.com/office/drawing/2016/SVG/main" r:embed="rId4"/>
-                  </a:ext>
-                </a:extLst>
-              </a:blip>
-              <a:srcRect l="871" t="18447" r="7407" b="10648"/>
-              <a:stretch/>
-            </p:blipFill>
-            <p:spPr>
-              <a:xfrm>
-                <a:off x="15045443" y="6196003"/>
-                <a:ext cx="9146324" cy="5674767"/>
-              </a:xfrm>
-              <a:prstGeom prst="rect">
-                <a:avLst/>
-              </a:prstGeom>
-            </p:spPr>
-          </p:pic>
-          <p:sp>
-            <p:nvSpPr>
-              <p:cNvPr id="28" name="TextBox 27">
-                <a:extLst>
-                  <a:ext uri="{FF2B5EF4-FFF2-40B4-BE49-F238E27FC236}">
-                    <a16:creationId xmlns:a16="http://schemas.microsoft.com/office/drawing/2014/main" id="{68297791-2A33-C9EA-91E2-199AC6D448CF}"/>
-                  </a:ext>
-                </a:extLst>
-              </p:cNvPr>
-              <p:cNvSpPr txBox="1"/>
-              <p:nvPr/>
-            </p:nvSpPr>
-            <p:spPr>
-              <a:xfrm rot="16200000">
-                <a:off x="14465029" y="8026678"/>
-                <a:ext cx="1637938" cy="830997"/>
-              </a:xfrm>
-              <a:prstGeom prst="rect">
-                <a:avLst/>
-              </a:prstGeom>
-              <a:solidFill>
-                <a:schemeClr val="bg1"/>
-              </a:solidFill>
-            </p:spPr>
-            <p:txBody>
-              <a:bodyPr wrap="square" rtlCol="0">
-                <a:spAutoFit/>
-              </a:bodyPr>
-              <a:lstStyle/>
-              <a:p>
-                <a:pPr algn="ctr"/>
-                <a:endParaRPr lang="en-US" sz="2400" dirty="0">
-                  <a:solidFill>
-                    <a:schemeClr val="tx1"/>
-                  </a:solidFill>
-                </a:endParaRPr>
-              </a:p>
-              <a:p>
-                <a:pPr algn="ctr"/>
-                <a:r>
-                  <a:rPr lang="en-US" sz="2400" dirty="0">
-                    <a:solidFill>
-                      <a:schemeClr val="tx1"/>
-                    </a:solidFill>
-                  </a:rPr>
-                  <a:t>R</a:t>
-                </a:r>
-                <a:r>
-                  <a:rPr lang="en-US" sz="2400" baseline="30000" dirty="0">
-                    <a:solidFill>
-                      <a:schemeClr val="tx1"/>
-                    </a:solidFill>
-                  </a:rPr>
-                  <a:t>2</a:t>
-                </a:r>
-              </a:p>
-            </p:txBody>
-          </p:sp>
-        </p:grpSp>
-        <p:sp>
-          <p:nvSpPr>
-            <p:cNvPr id="33" name="TextBox 32">
-              <a:extLst>
-                <a:ext uri="{FF2B5EF4-FFF2-40B4-BE49-F238E27FC236}">
-                  <a16:creationId xmlns:a16="http://schemas.microsoft.com/office/drawing/2014/main" id="{FA3ECAC3-7D81-E9BE-906D-EA3AD0DDE83E}"/>
-                </a:ext>
-              </a:extLst>
-            </p:cNvPr>
-            <p:cNvSpPr txBox="1"/>
-            <p:nvPr/>
-          </p:nvSpPr>
-          <p:spPr>
-            <a:xfrm>
-              <a:off x="15043204" y="19707907"/>
-              <a:ext cx="4372544" cy="584775"/>
-            </a:xfrm>
-            <a:prstGeom prst="rect">
-              <a:avLst/>
-            </a:prstGeom>
-            <a:noFill/>
-          </p:spPr>
-          <p:txBody>
-            <a:bodyPr wrap="square" rtlCol="0">
-              <a:spAutoFit/>
-            </a:bodyPr>
-            <a:lstStyle/>
-            <a:p>
-              <a:r>
-                <a:rPr lang="en-US" sz="1600" dirty="0"/>
-                <a:t>Phylogenetic ANOVA found no evidence that mean R</a:t>
-              </a:r>
-              <a:r>
-                <a:rPr lang="en-US" sz="1600" baseline="30000" dirty="0"/>
-                <a:t>2</a:t>
-              </a:r>
-              <a:r>
-                <a:rPr lang="en-US" sz="1600" dirty="0"/>
-                <a:t>s differ between any clades.</a:t>
-              </a:r>
-            </a:p>
-          </p:txBody>
-        </p:sp>
-      </p:grpSp>
       <p:pic>
         <p:nvPicPr>
           <p:cNvPr id="3" name="Graphic 2">
@@ -12890,7 +12756,7 @@
         </p:blipFill>
         <p:spPr>
           <a:xfrm>
-            <a:off x="12695412" y="14048476"/>
+            <a:off x="12851052" y="14048476"/>
             <a:ext cx="1866184" cy="1517186"/>
           </a:xfrm>
           <a:prstGeom prst="rect">
@@ -12962,7 +12828,7 @@
         </p:blipFill>
         <p:spPr>
           <a:xfrm>
-            <a:off x="18288000" y="14048476"/>
+            <a:off x="18171270" y="14048476"/>
             <a:ext cx="1748388" cy="1365928"/>
           </a:xfrm>
           <a:prstGeom prst="rect">
